--- a/2021212816 김이현 데이터과학.pptx
+++ b/2021212816 김이현 데이터과학.pptx
@@ -3954,6 +3954,80 @@
           </a:prstGeom>
         </p:spPr>
       </p:pic>
+      <p:sp>
+        <p:nvSpPr>
+          <p:cNvPr id="3" name="TextBox 2">
+            <a:extLst>
+              <a:ext uri="{FF2B5EF4-FFF2-40B4-BE49-F238E27FC236}">
+                <a16:creationId xmlns:a16="http://schemas.microsoft.com/office/drawing/2014/main" id="{82E2321F-6E50-B001-9304-A598B36555EE}"/>
+              </a:ext>
+            </a:extLst>
+          </p:cNvPr>
+          <p:cNvSpPr txBox="1"/>
+          <p:nvPr/>
+        </p:nvSpPr>
+        <p:spPr>
+          <a:xfrm>
+            <a:off x="2326572" y="1443361"/>
+            <a:ext cx="2544250" cy="369332"/>
+          </a:xfrm>
+          <a:prstGeom prst="rect">
+            <a:avLst/>
+          </a:prstGeom>
+          <a:noFill/>
+        </p:spPr>
+        <p:txBody>
+          <a:bodyPr wrap="square" rtlCol="0">
+            <a:spAutoFit/>
+          </a:bodyPr>
+          <a:lstStyle/>
+          <a:p>
+            <a:r>
+              <a:rPr lang="ko-KR" altLang="en-US"/>
+              <a:t>자외선필터 밝기 분포</a:t>
+            </a:r>
+          </a:p>
+        </p:txBody>
+      </p:sp>
+      <p:sp>
+        <p:nvSpPr>
+          <p:cNvPr id="4" name="TextBox 3">
+            <a:extLst>
+              <a:ext uri="{FF2B5EF4-FFF2-40B4-BE49-F238E27FC236}">
+                <a16:creationId xmlns:a16="http://schemas.microsoft.com/office/drawing/2014/main" id="{EBBBA672-DDC5-E47F-50E5-4ED87CDB1555}"/>
+              </a:ext>
+            </a:extLst>
+          </p:cNvPr>
+          <p:cNvSpPr txBox="1"/>
+          <p:nvPr/>
+        </p:nvSpPr>
+        <p:spPr>
+          <a:xfrm>
+            <a:off x="7628256" y="1437384"/>
+            <a:ext cx="2699090" cy="369332"/>
+          </a:xfrm>
+          <a:prstGeom prst="rect">
+            <a:avLst/>
+          </a:prstGeom>
+          <a:noFill/>
+        </p:spPr>
+        <p:txBody>
+          <a:bodyPr wrap="square" rtlCol="0">
+            <a:spAutoFit/>
+          </a:bodyPr>
+          <a:lstStyle/>
+          <a:p>
+            <a:r>
+              <a:rPr lang="ko-KR" altLang="en-US"/>
+              <a:t>적색 필터 </a:t>
+            </a:r>
+            <a:r>
+              <a:rPr lang="ko-KR" altLang="en-US" dirty="0"/>
+              <a:t>밝기 분포</a:t>
+            </a:r>
+          </a:p>
+        </p:txBody>
+      </p:sp>
     </p:spTree>
     <p:extLst>
       <p:ext uri="{BB962C8B-B14F-4D97-AF65-F5344CB8AC3E}">
@@ -6830,18 +6904,18 @@
                         <a:buNone/>
                       </a:pPr>
                       <a:r>
-                        <a:rPr lang="ko-KR" altLang="en-US" b="1"/>
+                        <a:rPr lang="ko-KR" altLang="en-US" b="1" dirty="0"/>
                         <a:t>측광 데이터 </a:t>
                       </a:r>
                       <a:r>
-                        <a:rPr lang="en-US" altLang="ko-KR" b="1"/>
+                        <a:rPr lang="en-US" altLang="ko-KR" b="1" dirty="0"/>
                         <a:t>(</a:t>
                       </a:r>
                       <a:r>
-                        <a:rPr lang="en-US" b="1"/>
+                        <a:rPr lang="en-US" b="1" dirty="0"/>
                         <a:t>Photometry)</a:t>
                       </a:r>
-                      <a:endParaRPr lang="en-US"/>
+                      <a:endParaRPr lang="en-US" dirty="0"/>
                     </a:p>
                   </a:txBody>
                   <a:tcPr anchor="ctr">
@@ -7592,23 +7666,23 @@
                         <a:buNone/>
                       </a:pPr>
                       <a:r>
-                        <a:rPr lang="ko-KR" altLang="en-US" b="1"/>
+                        <a:rPr lang="ko-KR" altLang="en-US" b="1" dirty="0"/>
                         <a:t>빠름</a:t>
                       </a:r>
                       <a:r>
-                        <a:rPr lang="ko-KR" altLang="en-US"/>
+                        <a:rPr lang="ko-KR" altLang="en-US" dirty="0"/>
                         <a:t> </a:t>
                       </a:r>
                       <a:r>
-                        <a:rPr lang="en-US" altLang="ko-KR"/>
+                        <a:rPr lang="en-US" altLang="ko-KR" dirty="0"/>
                         <a:t>(</a:t>
                       </a:r>
                       <a:r>
-                        <a:rPr lang="ko-KR" altLang="en-US"/>
+                        <a:rPr lang="ko-KR" altLang="en-US" dirty="0"/>
                         <a:t>대규모 관측에 유리</a:t>
                       </a:r>
                       <a:r>
-                        <a:rPr lang="en-US" altLang="ko-KR"/>
+                        <a:rPr lang="en-US" altLang="ko-KR" dirty="0"/>
                         <a:t>)</a:t>
                       </a:r>
                     </a:p>
@@ -8985,7 +9059,7 @@
                         <a:buNone/>
                       </a:pPr>
                       <a:r>
-                        <a:rPr lang="en-US" sz="1100" kern="0" spc="0">
+                        <a:rPr lang="en-US" sz="1100" kern="0" spc="0" dirty="0">
                           <a:solidFill>
                             <a:srgbClr val="000000"/>
                           </a:solidFill>
@@ -8995,7 +9069,7 @@
                         </a:rPr>
                         <a:t>u</a:t>
                       </a:r>
-                      <a:endParaRPr lang="en-US" sz="1100" kern="0" spc="0">
+                      <a:endParaRPr lang="en-US" sz="1100" kern="0" spc="0" dirty="0">
                         <a:solidFill>
                           <a:srgbClr val="000000"/>
                         </a:solidFill>
@@ -9127,7 +9201,7 @@
                         <a:buNone/>
                       </a:pPr>
                       <a:r>
-                        <a:rPr lang="ko-KR" altLang="en-US" sz="1100" kern="0" spc="0">
+                        <a:rPr lang="ko-KR" altLang="en-US" sz="1100" kern="0" spc="0" dirty="0">
                           <a:solidFill>
                             <a:srgbClr val="000000"/>
                           </a:solidFill>
@@ -9138,7 +9212,7 @@
                         <a:t>자외선 필터로 측정한 밝기 등급</a:t>
                       </a:r>
                       <a:r>
-                        <a:rPr lang="en-US" altLang="ko-KR" sz="1100" kern="0" spc="0">
+                        <a:rPr lang="en-US" altLang="ko-KR" sz="1100" kern="0" spc="0" dirty="0">
                           <a:solidFill>
                             <a:srgbClr val="000000"/>
                           </a:solidFill>
@@ -9148,7 +9222,7 @@
                         </a:rPr>
                         <a:t>.</a:t>
                       </a:r>
-                      <a:endParaRPr lang="ko-KR" altLang="en-US" sz="1100" kern="0" spc="0">
+                      <a:endParaRPr lang="ko-KR" altLang="en-US" sz="1100" kern="0" spc="0" dirty="0">
                         <a:solidFill>
                           <a:srgbClr val="000000"/>
                         </a:solidFill>
@@ -9287,7 +9361,7 @@
                         <a:buNone/>
                       </a:pPr>
                       <a:r>
-                        <a:rPr lang="en-US" sz="1100" kern="0" spc="0">
+                        <a:rPr lang="en-US" sz="1100" kern="0" spc="0" dirty="0">
                           <a:solidFill>
                             <a:srgbClr val="000000"/>
                           </a:solidFill>
@@ -9297,7 +9371,7 @@
                         </a:rPr>
                         <a:t>float64</a:t>
                       </a:r>
-                      <a:endParaRPr lang="en-US" sz="1100" kern="0" spc="0">
+                      <a:endParaRPr lang="en-US" sz="1100" kern="0" spc="0" dirty="0">
                         <a:solidFill>
                           <a:srgbClr val="000000"/>
                         </a:solidFill>
@@ -9358,7 +9432,7 @@
                         <a:buNone/>
                       </a:pPr>
                       <a:r>
-                        <a:rPr lang="ko-KR" altLang="en-US" sz="1100" kern="0" spc="0">
+                        <a:rPr lang="ko-KR" altLang="en-US" sz="1100" kern="0" spc="0" dirty="0">
                           <a:solidFill>
                             <a:srgbClr val="000000"/>
                           </a:solidFill>
@@ -9369,7 +9443,7 @@
                         <a:t>녹색 필터로 측정한 밝기 등급</a:t>
                       </a:r>
                       <a:r>
-                        <a:rPr lang="en-US" altLang="ko-KR" sz="1100" kern="0" spc="0">
+                        <a:rPr lang="en-US" altLang="ko-KR" sz="1100" kern="0" spc="0" dirty="0">
                           <a:solidFill>
                             <a:srgbClr val="000000"/>
                           </a:solidFill>
@@ -9379,7 +9453,7 @@
                         </a:rPr>
                         <a:t>.</a:t>
                       </a:r>
-                      <a:endParaRPr lang="ko-KR" altLang="en-US" sz="1100" kern="0" spc="0">
+                      <a:endParaRPr lang="ko-KR" altLang="en-US" sz="1100" kern="0" spc="0" dirty="0">
                         <a:solidFill>
                           <a:srgbClr val="000000"/>
                         </a:solidFill>
@@ -9589,7 +9663,7 @@
                         <a:buNone/>
                       </a:pPr>
                       <a:r>
-                        <a:rPr lang="ko-KR" altLang="en-US" sz="1100" kern="0" spc="0">
+                        <a:rPr lang="ko-KR" altLang="en-US" sz="1100" kern="0" spc="0" dirty="0">
                           <a:solidFill>
                             <a:srgbClr val="000000"/>
                           </a:solidFill>
@@ -9600,7 +9674,7 @@
                         <a:t>적색 필터로 측정한 밝기 등급</a:t>
                       </a:r>
                       <a:r>
-                        <a:rPr lang="en-US" altLang="ko-KR" sz="1100" kern="0" spc="0">
+                        <a:rPr lang="en-US" altLang="ko-KR" sz="1100" kern="0" spc="0" dirty="0">
                           <a:solidFill>
                             <a:srgbClr val="000000"/>
                           </a:solidFill>
@@ -9610,7 +9684,7 @@
                         </a:rPr>
                         <a:t>.</a:t>
                       </a:r>
-                      <a:endParaRPr lang="ko-KR" altLang="en-US" sz="1100" kern="0" spc="0">
+                      <a:endParaRPr lang="ko-KR" altLang="en-US" sz="1100" kern="0" spc="0" dirty="0">
                         <a:solidFill>
                           <a:srgbClr val="000000"/>
                         </a:solidFill>
@@ -9820,7 +9894,7 @@
                         <a:buNone/>
                       </a:pPr>
                       <a:r>
-                        <a:rPr lang="ko-KR" altLang="en-US" sz="1100" kern="0" spc="0">
+                        <a:rPr lang="ko-KR" altLang="en-US" sz="1100" kern="0" spc="0" dirty="0">
                           <a:solidFill>
                             <a:srgbClr val="000000"/>
                           </a:solidFill>
@@ -9831,7 +9905,7 @@
                         <a:t>근적외선 필터로 측정한 밝기 등급</a:t>
                       </a:r>
                       <a:r>
-                        <a:rPr lang="en-US" altLang="ko-KR" sz="1100" kern="0" spc="0">
+                        <a:rPr lang="en-US" altLang="ko-KR" sz="1100" kern="0" spc="0" dirty="0">
                           <a:solidFill>
                             <a:srgbClr val="000000"/>
                           </a:solidFill>
@@ -9841,7 +9915,7 @@
                         </a:rPr>
                         <a:t>.</a:t>
                       </a:r>
-                      <a:endParaRPr lang="ko-KR" altLang="en-US" sz="1100" kern="0" spc="0">
+                      <a:endParaRPr lang="ko-KR" altLang="en-US" sz="1100" kern="0" spc="0" dirty="0">
                         <a:solidFill>
                           <a:srgbClr val="000000"/>
                         </a:solidFill>
@@ -10051,7 +10125,7 @@
                         <a:buNone/>
                       </a:pPr>
                       <a:r>
-                        <a:rPr lang="ko-KR" altLang="en-US" sz="1100" kern="0" spc="0">
+                        <a:rPr lang="ko-KR" altLang="en-US" sz="1100" kern="0" spc="0" dirty="0">
                           <a:solidFill>
                             <a:srgbClr val="000000"/>
                           </a:solidFill>
@@ -10062,7 +10136,7 @@
                         <a:t>적외선 필터로 측정한 밝기 등급</a:t>
                       </a:r>
                       <a:r>
-                        <a:rPr lang="en-US" altLang="ko-KR" sz="1100" kern="0" spc="0">
+                        <a:rPr lang="en-US" altLang="ko-KR" sz="1100" kern="0" spc="0" dirty="0">
                           <a:solidFill>
                             <a:srgbClr val="000000"/>
                           </a:solidFill>
@@ -10072,7 +10146,7 @@
                         </a:rPr>
                         <a:t>.</a:t>
                       </a:r>
-                      <a:endParaRPr lang="ko-KR" altLang="en-US" sz="1100" kern="0" spc="0">
+                      <a:endParaRPr lang="ko-KR" altLang="en-US" sz="1100" kern="0" spc="0" dirty="0">
                         <a:solidFill>
                           <a:srgbClr val="000000"/>
                         </a:solidFill>
@@ -11757,7 +11831,7 @@
                         <a:buNone/>
                       </a:pPr>
                       <a:r>
-                        <a:rPr lang="en-US" sz="1100" kern="0" spc="0">
+                        <a:rPr lang="en-US" sz="1100" kern="0" spc="0" dirty="0">
                           <a:solidFill>
                             <a:srgbClr val="000000"/>
                           </a:solidFill>
@@ -11767,7 +11841,7 @@
                         </a:rPr>
                         <a:t>redshift</a:t>
                       </a:r>
-                      <a:endParaRPr lang="en-US" sz="1100" kern="0" spc="0">
+                      <a:endParaRPr lang="en-US" sz="1100" kern="0" spc="0" dirty="0">
                         <a:solidFill>
                           <a:srgbClr val="000000"/>
                         </a:solidFill>
@@ -12163,7 +12237,7 @@
                         <a:buNone/>
                       </a:pPr>
                       <a:r>
-                        <a:rPr lang="ko-KR" altLang="en-US" sz="1100" kern="0" spc="0">
+                        <a:rPr lang="ko-KR" altLang="en-US" sz="1100" kern="0" spc="0" dirty="0">
                           <a:solidFill>
                             <a:srgbClr val="000000"/>
                           </a:solidFill>
@@ -12174,7 +12248,7 @@
                         <a:t>플레이트 </a:t>
                       </a:r>
                       <a:r>
-                        <a:rPr lang="en-US" altLang="ko-KR" sz="1100" kern="0" spc="0">
+                        <a:rPr lang="en-US" altLang="ko-KR" sz="1100" kern="0" spc="0" dirty="0">
                           <a:solidFill>
                             <a:srgbClr val="000000"/>
                           </a:solidFill>
@@ -12185,7 +12259,7 @@
                         <a:t>ID. SDSS(</a:t>
                       </a:r>
                       <a:r>
-                        <a:rPr lang="ko-KR" altLang="en-US" sz="1100" kern="0" spc="0">
+                        <a:rPr lang="ko-KR" altLang="en-US" sz="1100" kern="0" spc="0" dirty="0">
                           <a:solidFill>
                             <a:srgbClr val="000000"/>
                           </a:solidFill>
@@ -12196,7 +12270,7 @@
                         <a:t>관측 프로젝트</a:t>
                       </a:r>
                       <a:r>
-                        <a:rPr lang="en-US" altLang="ko-KR" sz="1100" kern="0" spc="0">
+                        <a:rPr lang="en-US" altLang="ko-KR" sz="1100" kern="0" spc="0" dirty="0">
                           <a:solidFill>
                             <a:srgbClr val="000000"/>
                           </a:solidFill>
@@ -12207,7 +12281,7 @@
                         <a:t>)</a:t>
                       </a:r>
                       <a:r>
-                        <a:rPr lang="ko-KR" altLang="en-US" sz="1100" kern="0" spc="0">
+                        <a:rPr lang="ko-KR" altLang="en-US" sz="1100" kern="0" spc="0" dirty="0">
                           <a:solidFill>
                             <a:srgbClr val="000000"/>
                           </a:solidFill>
@@ -12217,7 +12291,7 @@
                         </a:rPr>
                         <a:t>에서 빛을 모으는 데 사용된 각 플레이트를 식별하는 고유 번호</a:t>
                       </a:r>
-                      <a:endParaRPr lang="ko-KR" altLang="en-US" sz="1100" kern="0" spc="0">
+                      <a:endParaRPr lang="ko-KR" altLang="en-US" sz="1100" kern="0" spc="0" dirty="0">
                         <a:solidFill>
                           <a:srgbClr val="000000"/>
                         </a:solidFill>
